--- a/Burndown & Velocity/Cycle 4/V4.3.1 [2022-02-19] Burndown Velocity Sprint 4-3.pptx
+++ b/Burndown & Velocity/Cycle 4/V4.3.1 [2022-02-19] Burndown Velocity Sprint 4-3.pptx
@@ -206,7 +206,7 @@
                   <a:schemeClr val="tx1"/>
                 </a:solidFill>
               </a:rPr>
-              <a:t>ที่ 9</a:t>
+              <a:t>ที่ 3</a:t>
             </a:r>
           </a:p>
         </c:rich>
@@ -414,11 +414,11 @@
           </c:dLbls>
           <c:cat>
             <c:strRef>
-              <c:f>Sheet1!$A$2:$A$11</c:f>
+              <c:f>Sheet1!$A$2:$A$6</c:f>
               <c:strCache>
-                <c:ptCount val="10"/>
+                <c:ptCount val="5"/>
                 <c:pt idx="0">
-                  <c:v>start</c:v>
+                  <c:v>Start</c:v>
                 </c:pt>
                 <c:pt idx="1">
                   <c:v>Sprint 3/1</c:v>
@@ -430,60 +430,30 @@
                   <c:v>Sprint 3/3</c:v>
                 </c:pt>
                 <c:pt idx="4">
-                  <c:v>Sprint 3/4</c:v>
-                </c:pt>
-                <c:pt idx="5">
-                  <c:v>Sprint 3/5</c:v>
-                </c:pt>
-                <c:pt idx="6">
-                  <c:v>Sprint 3/6</c:v>
-                </c:pt>
-                <c:pt idx="7">
-                  <c:v>Sprint 3/7</c:v>
-                </c:pt>
-                <c:pt idx="8">
-                  <c:v>Sprint 3/8</c:v>
-                </c:pt>
-                <c:pt idx="9">
-                  <c:v>Sprint 3/9</c:v>
+                  <c:v>Finish</c:v>
                 </c:pt>
               </c:strCache>
             </c:strRef>
           </c:cat>
           <c:val>
             <c:numRef>
-              <c:f>Sheet1!$B$2:$B$11</c:f>
+              <c:f>Sheet1!$B$2:$B$6</c:f>
               <c:numCache>
                 <c:formatCode>General</c:formatCode>
-                <c:ptCount val="10"/>
+                <c:ptCount val="5"/>
                 <c:pt idx="0">
-                  <c:v>822</c:v>
+                  <c:v>65</c:v>
                 </c:pt>
                 <c:pt idx="1">
-                  <c:v>693</c:v>
+                  <c:v>65</c:v>
                 </c:pt>
                 <c:pt idx="2">
-                  <c:v>573</c:v>
+                  <c:v>65</c:v>
                 </c:pt>
                 <c:pt idx="3">
-                  <c:v>469</c:v>
+                  <c:v>65</c:v>
                 </c:pt>
                 <c:pt idx="4">
-                  <c:v>357</c:v>
-                </c:pt>
-                <c:pt idx="5">
-                  <c:v>315</c:v>
-                </c:pt>
-                <c:pt idx="6">
-                  <c:v>259</c:v>
-                </c:pt>
-                <c:pt idx="7">
-                  <c:v>158</c:v>
-                </c:pt>
-                <c:pt idx="8">
-                  <c:v>80</c:v>
-                </c:pt>
-                <c:pt idx="9">
                   <c:v>0</c:v>
                 </c:pt>
               </c:numCache>
@@ -645,116 +615,6 @@
                 </c:ext>
               </c:extLst>
             </c:dLbl>
-            <c:dLbl>
-              <c:idx val="5"/>
-              <c:layout>
-                <c:manualLayout>
-                  <c:x val="-3.7242249015748033E-2"/>
-                  <c:y val="1.8826216853702213E-2"/>
-                </c:manualLayout>
-              </c:layout>
-              <c:dLblPos val="r"/>
-              <c:showLegendKey val="0"/>
-              <c:showVal val="1"/>
-              <c:showCatName val="0"/>
-              <c:showSerName val="0"/>
-              <c:showPercent val="0"/>
-              <c:showBubbleSize val="0"/>
-              <c:extLst>
-                <c:ext xmlns:c15="http://schemas.microsoft.com/office/drawing/2012/chart" uri="{CE6537A1-D6FC-4f65-9D91-7224C49458BB}"/>
-                <c:ext xmlns:c16="http://schemas.microsoft.com/office/drawing/2014/chart" uri="{C3380CC4-5D6E-409C-BE32-E72D297353CC}">
-                  <c16:uniqueId val="{00000002-EEB3-4D9F-83E0-54EA909DC03D}"/>
-                </c:ext>
-              </c:extLst>
-            </c:dLbl>
-            <c:dLbl>
-              <c:idx val="6"/>
-              <c:layout>
-                <c:manualLayout>
-                  <c:x val="-3.7242249015748144E-2"/>
-                  <c:y val="1.4138717142057262E-2"/>
-                </c:manualLayout>
-              </c:layout>
-              <c:dLblPos val="r"/>
-              <c:showLegendKey val="0"/>
-              <c:showVal val="1"/>
-              <c:showCatName val="0"/>
-              <c:showSerName val="0"/>
-              <c:showPercent val="0"/>
-              <c:showBubbleSize val="0"/>
-              <c:extLst>
-                <c:ext xmlns:c15="http://schemas.microsoft.com/office/drawing/2012/chart" uri="{CE6537A1-D6FC-4f65-9D91-7224C49458BB}"/>
-                <c:ext xmlns:c16="http://schemas.microsoft.com/office/drawing/2014/chart" uri="{C3380CC4-5D6E-409C-BE32-E72D297353CC}">
-                  <c16:uniqueId val="{00000001-B107-4142-9BA7-D60A67D49DC1}"/>
-                </c:ext>
-              </c:extLst>
-            </c:dLbl>
-            <c:dLbl>
-              <c:idx val="7"/>
-              <c:layout>
-                <c:manualLayout>
-                  <c:x val="-4.7918061023622047E-2"/>
-                  <c:y val="2.8201216276991938E-2"/>
-                </c:manualLayout>
-              </c:layout>
-              <c:dLblPos val="r"/>
-              <c:showLegendKey val="0"/>
-              <c:showVal val="1"/>
-              <c:showCatName val="0"/>
-              <c:showSerName val="0"/>
-              <c:showPercent val="0"/>
-              <c:showBubbleSize val="0"/>
-              <c:extLst>
-                <c:ext xmlns:c15="http://schemas.microsoft.com/office/drawing/2012/chart" uri="{CE6537A1-D6FC-4f65-9D91-7224C49458BB}"/>
-                <c:ext xmlns:c16="http://schemas.microsoft.com/office/drawing/2014/chart" uri="{C3380CC4-5D6E-409C-BE32-E72D297353CC}">
-                  <c16:uniqueId val="{00000003-B107-4142-9BA7-D60A67D49DC1}"/>
-                </c:ext>
-              </c:extLst>
-            </c:dLbl>
-            <c:dLbl>
-              <c:idx val="8"/>
-              <c:layout>
-                <c:manualLayout>
-                  <c:x val="-5.5992249015748147E-2"/>
-                  <c:y val="1.8826216853702213E-2"/>
-                </c:manualLayout>
-              </c:layout>
-              <c:dLblPos val="r"/>
-              <c:showLegendKey val="0"/>
-              <c:showVal val="1"/>
-              <c:showCatName val="0"/>
-              <c:showSerName val="0"/>
-              <c:showPercent val="0"/>
-              <c:showBubbleSize val="0"/>
-              <c:extLst>
-                <c:ext xmlns:c15="http://schemas.microsoft.com/office/drawing/2012/chart" uri="{CE6537A1-D6FC-4f65-9D91-7224C49458BB}"/>
-                <c:ext xmlns:c16="http://schemas.microsoft.com/office/drawing/2014/chart" uri="{C3380CC4-5D6E-409C-BE32-E72D297353CC}">
-                  <c16:uniqueId val="{00000001-AF05-40AC-B6D7-F3659A46D5BC}"/>
-                </c:ext>
-              </c:extLst>
-            </c:dLbl>
-            <c:dLbl>
-              <c:idx val="9"/>
-              <c:layout>
-                <c:manualLayout>
-                  <c:x val="-4.6355561023622045E-2"/>
-                  <c:y val="1.1794967286234788E-2"/>
-                </c:manualLayout>
-              </c:layout>
-              <c:dLblPos val="r"/>
-              <c:showLegendKey val="0"/>
-              <c:showVal val="1"/>
-              <c:showCatName val="0"/>
-              <c:showSerName val="0"/>
-              <c:showPercent val="0"/>
-              <c:showBubbleSize val="0"/>
-              <c:extLst>
-                <c:ext xmlns:c15="http://schemas.microsoft.com/office/drawing/2012/chart" uri="{CE6537A1-D6FC-4f65-9D91-7224C49458BB}"/>
-                <c:ext xmlns:c16="http://schemas.microsoft.com/office/drawing/2014/chart" uri="{C3380CC4-5D6E-409C-BE32-E72D297353CC}">
-                  <c16:uniqueId val="{00000002-AF05-40AC-B6D7-F3659A46D5BC}"/>
-                </c:ext>
-              </c:extLst>
-            </c:dLbl>
             <c:numFmt formatCode="#,##0" sourceLinked="0"/>
             <c:spPr>
               <a:noFill/>
@@ -814,11 +674,11 @@
           </c:dLbls>
           <c:cat>
             <c:strRef>
-              <c:f>Sheet1!$A$2:$A$11</c:f>
+              <c:f>Sheet1!$A$2:$A$6</c:f>
               <c:strCache>
-                <c:ptCount val="10"/>
+                <c:ptCount val="5"/>
                 <c:pt idx="0">
-                  <c:v>start</c:v>
+                  <c:v>Start</c:v>
                 </c:pt>
                 <c:pt idx="1">
                   <c:v>Sprint 3/1</c:v>
@@ -830,60 +690,30 @@
                   <c:v>Sprint 3/3</c:v>
                 </c:pt>
                 <c:pt idx="4">
-                  <c:v>Sprint 3/4</c:v>
-                </c:pt>
-                <c:pt idx="5">
-                  <c:v>Sprint 3/5</c:v>
-                </c:pt>
-                <c:pt idx="6">
-                  <c:v>Sprint 3/6</c:v>
-                </c:pt>
-                <c:pt idx="7">
-                  <c:v>Sprint 3/7</c:v>
-                </c:pt>
-                <c:pt idx="8">
-                  <c:v>Sprint 3/8</c:v>
-                </c:pt>
-                <c:pt idx="9">
-                  <c:v>Sprint 3/9</c:v>
+                  <c:v>Finish</c:v>
                 </c:pt>
               </c:strCache>
             </c:strRef>
           </c:cat>
           <c:val>
             <c:numRef>
-              <c:f>Sheet1!$C$2:$C$11</c:f>
+              <c:f>Sheet1!$C$2:$C$6</c:f>
               <c:numCache>
                 <c:formatCode>General</c:formatCode>
-                <c:ptCount val="10"/>
+                <c:ptCount val="5"/>
                 <c:pt idx="0">
-                  <c:v>788</c:v>
+                  <c:v>65</c:v>
                 </c:pt>
                 <c:pt idx="1">
-                  <c:v>659</c:v>
+                  <c:v>65</c:v>
                 </c:pt>
                 <c:pt idx="2">
-                  <c:v>539</c:v>
+                  <c:v>65</c:v>
                 </c:pt>
                 <c:pt idx="3">
-                  <c:v>434</c:v>
+                  <c:v>63</c:v>
                 </c:pt>
                 <c:pt idx="4">
-                  <c:v>330</c:v>
-                </c:pt>
-                <c:pt idx="5">
-                  <c:v>291</c:v>
-                </c:pt>
-                <c:pt idx="6">
-                  <c:v>221</c:v>
-                </c:pt>
-                <c:pt idx="7">
-                  <c:v>149</c:v>
-                </c:pt>
-                <c:pt idx="8">
-                  <c:v>77</c:v>
-                </c:pt>
-                <c:pt idx="9">
                   <c:v>0</c:v>
                 </c:pt>
               </c:numCache>
@@ -1185,7 +1015,7 @@
                   <a:schemeClr val="tx1"/>
                 </a:solidFill>
               </a:rPr>
-              <a:t>ที่ 9</a:t>
+              <a:t>ที่ 3</a:t>
             </a:r>
           </a:p>
         </c:rich>
@@ -1278,8 +1108,8 @@
               <c:idx val="2"/>
               <c:layout>
                 <c:manualLayout>
-                  <c:x val="-4.6874999999999998E-3"/>
-                  <c:y val="3.0468748125692124E-2"/>
+                  <c:x val="-4.2187500000000003E-2"/>
+                  <c:y val="-1.4062499134934847E-2"/>
                 </c:manualLayout>
               </c:layout>
               <c:showLegendKey val="0"/>
@@ -1292,69 +1122,6 @@
                 <c:ext xmlns:c15="http://schemas.microsoft.com/office/drawing/2012/chart" uri="{CE6537A1-D6FC-4f65-9D91-7224C49458BB}"/>
                 <c:ext xmlns:c16="http://schemas.microsoft.com/office/drawing/2014/chart" uri="{C3380CC4-5D6E-409C-BE32-E72D297353CC}">
                   <c16:uniqueId val="{00000001-F3CA-4034-882B-9A4292843348}"/>
-                </c:ext>
-              </c:extLst>
-            </c:dLbl>
-            <c:dLbl>
-              <c:idx val="4"/>
-              <c:layout>
-                <c:manualLayout>
-                  <c:x val="-1.40625E-2"/>
-                  <c:y val="-4.2187497404804625E-2"/>
-                </c:manualLayout>
-              </c:layout>
-              <c:showLegendKey val="0"/>
-              <c:showVal val="1"/>
-              <c:showCatName val="0"/>
-              <c:showSerName val="0"/>
-              <c:showPercent val="0"/>
-              <c:showBubbleSize val="0"/>
-              <c:extLst>
-                <c:ext xmlns:c15="http://schemas.microsoft.com/office/drawing/2012/chart" uri="{CE6537A1-D6FC-4f65-9D91-7224C49458BB}"/>
-                <c:ext xmlns:c16="http://schemas.microsoft.com/office/drawing/2014/chart" uri="{C3380CC4-5D6E-409C-BE32-E72D297353CC}">
-                  <c16:uniqueId val="{00000003-8D15-4E79-9FD2-47E0F59F841C}"/>
-                </c:ext>
-              </c:extLst>
-            </c:dLbl>
-            <c:dLbl>
-              <c:idx val="5"/>
-              <c:layout>
-                <c:manualLayout>
-                  <c:x val="-2.8125000000000001E-2"/>
-                  <c:y val="-3.0468748125692252E-2"/>
-                </c:manualLayout>
-              </c:layout>
-              <c:showLegendKey val="0"/>
-              <c:showVal val="1"/>
-              <c:showCatName val="0"/>
-              <c:showSerName val="0"/>
-              <c:showPercent val="0"/>
-              <c:showBubbleSize val="0"/>
-              <c:extLst>
-                <c:ext xmlns:c15="http://schemas.microsoft.com/office/drawing/2012/chart" uri="{CE6537A1-D6FC-4f65-9D91-7224C49458BB}"/>
-                <c:ext xmlns:c16="http://schemas.microsoft.com/office/drawing/2014/chart" uri="{C3380CC4-5D6E-409C-BE32-E72D297353CC}">
-                  <c16:uniqueId val="{00000002-366F-4BE9-AD83-FDF6C0708443}"/>
-                </c:ext>
-              </c:extLst>
-            </c:dLbl>
-            <c:dLbl>
-              <c:idx val="6"/>
-              <c:layout>
-                <c:manualLayout>
-                  <c:x val="-4.6875000000001143E-3"/>
-                  <c:y val="-3.5156247837337118E-2"/>
-                </c:manualLayout>
-              </c:layout>
-              <c:showLegendKey val="0"/>
-              <c:showVal val="1"/>
-              <c:showCatName val="0"/>
-              <c:showSerName val="0"/>
-              <c:showPercent val="0"/>
-              <c:showBubbleSize val="0"/>
-              <c:extLst>
-                <c:ext xmlns:c15="http://schemas.microsoft.com/office/drawing/2012/chart" uri="{CE6537A1-D6FC-4f65-9D91-7224C49458BB}"/>
-                <c:ext xmlns:c16="http://schemas.microsoft.com/office/drawing/2014/chart" uri="{C3380CC4-5D6E-409C-BE32-E72D297353CC}">
-                  <c16:uniqueId val="{00000002-4A4A-485A-918A-758152240A60}"/>
                 </c:ext>
               </c:extLst>
             </c:dLbl>
@@ -1413,9 +1180,9 @@
           </c:dLbls>
           <c:cat>
             <c:strRef>
-              <c:f>Sheet1!$A$2:$A$10</c:f>
+              <c:f>Sheet1!$A$2:$A$4</c:f>
               <c:strCache>
-                <c:ptCount val="8"/>
+                <c:ptCount val="3"/>
                 <c:pt idx="0">
                   <c:v>Sprint 3/1</c:v>
                 </c:pt>
@@ -1425,53 +1192,23 @@
                 <c:pt idx="2">
                   <c:v>Sprint 3/3</c:v>
                 </c:pt>
-                <c:pt idx="3">
-                  <c:v>Sprint 3/4</c:v>
-                </c:pt>
-                <c:pt idx="4">
-                  <c:v>Sprint 3/5</c:v>
-                </c:pt>
-                <c:pt idx="5">
-                  <c:v>Sprint 3/6</c:v>
-                </c:pt>
-                <c:pt idx="6">
-                  <c:v>Sprint 3/7</c:v>
-                </c:pt>
-                <c:pt idx="7">
-                  <c:v>Sprint 3/8</c:v>
-                </c:pt>
               </c:strCache>
             </c:strRef>
           </c:cat>
           <c:val>
             <c:numRef>
-              <c:f>Sheet1!$B$2:$B$10</c:f>
+              <c:f>Sheet1!$B$2:$B$4</c:f>
               <c:numCache>
                 <c:formatCode>General</c:formatCode>
-                <c:ptCount val="9"/>
+                <c:ptCount val="3"/>
                 <c:pt idx="0">
-                  <c:v>129</c:v>
+                  <c:v>0</c:v>
                 </c:pt>
                 <c:pt idx="1">
-                  <c:v>120</c:v>
+                  <c:v>0</c:v>
                 </c:pt>
                 <c:pt idx="2">
-                  <c:v>104</c:v>
-                </c:pt>
-                <c:pt idx="3">
-                  <c:v>112</c:v>
-                </c:pt>
-                <c:pt idx="4">
-                  <c:v>42</c:v>
-                </c:pt>
-                <c:pt idx="5">
-                  <c:v>76</c:v>
-                </c:pt>
-                <c:pt idx="6">
-                  <c:v>81</c:v>
-                </c:pt>
-                <c:pt idx="7">
-                  <c:v>78</c:v>
+                  <c:v>65</c:v>
                 </c:pt>
               </c:numCache>
             </c:numRef>
@@ -1523,11 +1260,11 @@
           </c:marker>
           <c:dLbls>
             <c:dLbl>
-              <c:idx val="3"/>
+              <c:idx val="2"/>
               <c:layout>
                 <c:manualLayout>
-                  <c:x val="-3.7503937007874071E-2"/>
-                  <c:y val="3.5232465844459576E-2"/>
+                  <c:x val="2.5775098425196851E-4"/>
+                  <c:y val="2.5857466421169633E-2"/>
                 </c:manualLayout>
               </c:layout>
               <c:dLblPos val="r"/>
@@ -1540,95 +1277,7 @@
               <c:extLst>
                 <c:ext xmlns:c15="http://schemas.microsoft.com/office/drawing/2012/chart" uri="{CE6537A1-D6FC-4f65-9D91-7224C49458BB}"/>
                 <c:ext xmlns:c16="http://schemas.microsoft.com/office/drawing/2014/chart" uri="{C3380CC4-5D6E-409C-BE32-E72D297353CC}">
-                  <c16:uniqueId val="{00000002-F3CA-4034-882B-9A4292843348}"/>
-                </c:ext>
-              </c:extLst>
-            </c:dLbl>
-            <c:dLbl>
-              <c:idx val="4"/>
-              <c:layout>
-                <c:manualLayout>
-                  <c:x val="-9.1172490157480322E-3"/>
-                  <c:y val="3.2888715988637143E-2"/>
-                </c:manualLayout>
-              </c:layout>
-              <c:dLblPos val="r"/>
-              <c:showLegendKey val="0"/>
-              <c:showVal val="1"/>
-              <c:showCatName val="0"/>
-              <c:showSerName val="0"/>
-              <c:showPercent val="0"/>
-              <c:showBubbleSize val="0"/>
-              <c:extLst>
-                <c:ext xmlns:c15="http://schemas.microsoft.com/office/drawing/2012/chart" uri="{CE6537A1-D6FC-4f65-9D91-7224C49458BB}"/>
-                <c:ext xmlns:c16="http://schemas.microsoft.com/office/drawing/2014/chart" uri="{C3380CC4-5D6E-409C-BE32-E72D297353CC}">
-                  <c16:uniqueId val="{00000002-8D15-4E79-9FD2-47E0F59F841C}"/>
-                </c:ext>
-              </c:extLst>
-            </c:dLbl>
-            <c:dLbl>
-              <c:idx val="5"/>
-              <c:layout>
-                <c:manualLayout>
-                  <c:x val="-1.2242249015748032E-2"/>
-                  <c:y val="1.8826216853702213E-2"/>
-                </c:manualLayout>
-              </c:layout>
-              <c:dLblPos val="r"/>
-              <c:showLegendKey val="0"/>
-              <c:showVal val="1"/>
-              <c:showCatName val="0"/>
-              <c:showSerName val="0"/>
-              <c:showPercent val="0"/>
-              <c:showBubbleSize val="0"/>
-              <c:extLst>
-                <c:ext xmlns:c15="http://schemas.microsoft.com/office/drawing/2012/chart" uri="{CE6537A1-D6FC-4f65-9D91-7224C49458BB}"/>
-                <c:ext xmlns:c16="http://schemas.microsoft.com/office/drawing/2014/chart" uri="{C3380CC4-5D6E-409C-BE32-E72D297353CC}">
-                  <c16:uniqueId val="{00000001-8D15-4E79-9FD2-47E0F59F841C}"/>
-                </c:ext>
-              </c:extLst>
-            </c:dLbl>
-            <c:dLbl>
-              <c:idx val="6"/>
-              <c:layout>
-                <c:manualLayout>
-                  <c:x val="-1.5367249015748145E-2"/>
-                  <c:y val="3.288871598863706E-2"/>
-                </c:manualLayout>
-              </c:layout>
-              <c:dLblPos val="r"/>
-              <c:showLegendKey val="0"/>
-              <c:showVal val="1"/>
-              <c:showCatName val="0"/>
-              <c:showSerName val="0"/>
-              <c:showPercent val="0"/>
-              <c:showBubbleSize val="0"/>
-              <c:extLst>
-                <c:ext xmlns:c15="http://schemas.microsoft.com/office/drawing/2012/chart" uri="{CE6537A1-D6FC-4f65-9D91-7224C49458BB}"/>
-                <c:ext xmlns:c16="http://schemas.microsoft.com/office/drawing/2014/chart" uri="{C3380CC4-5D6E-409C-BE32-E72D297353CC}">
-                  <c16:uniqueId val="{00000001-366F-4BE9-AD83-FDF6C0708443}"/>
-                </c:ext>
-              </c:extLst>
-            </c:dLbl>
-            <c:dLbl>
-              <c:idx val="7"/>
-              <c:layout>
-                <c:manualLayout>
-                  <c:x val="-1.8492249015748145E-2"/>
-                  <c:y val="3.7576215700281919E-2"/>
-                </c:manualLayout>
-              </c:layout>
-              <c:dLblPos val="r"/>
-              <c:showLegendKey val="0"/>
-              <c:showVal val="1"/>
-              <c:showCatName val="0"/>
-              <c:showSerName val="0"/>
-              <c:showPercent val="0"/>
-              <c:showBubbleSize val="0"/>
-              <c:extLst>
-                <c:ext xmlns:c15="http://schemas.microsoft.com/office/drawing/2012/chart" uri="{CE6537A1-D6FC-4f65-9D91-7224C49458BB}"/>
-                <c:ext xmlns:c16="http://schemas.microsoft.com/office/drawing/2014/chart" uri="{C3380CC4-5D6E-409C-BE32-E72D297353CC}">
-                  <c16:uniqueId val="{00000001-4A4A-485A-918A-758152240A60}"/>
+                  <c16:uniqueId val="{00000001-3B41-4507-AFF3-819D323FC5A1}"/>
                 </c:ext>
               </c:extLst>
             </c:dLbl>
@@ -1690,9 +1339,9 @@
           </c:dLbls>
           <c:cat>
             <c:strRef>
-              <c:f>Sheet1!$A$2:$A$10</c:f>
+              <c:f>Sheet1!$A$2:$A$4</c:f>
               <c:strCache>
-                <c:ptCount val="8"/>
+                <c:ptCount val="3"/>
                 <c:pt idx="0">
                   <c:v>Sprint 3/1</c:v>
                 </c:pt>
@@ -1702,53 +1351,23 @@
                 <c:pt idx="2">
                   <c:v>Sprint 3/3</c:v>
                 </c:pt>
-                <c:pt idx="3">
-                  <c:v>Sprint 3/4</c:v>
-                </c:pt>
-                <c:pt idx="4">
-                  <c:v>Sprint 3/5</c:v>
-                </c:pt>
-                <c:pt idx="5">
-                  <c:v>Sprint 3/6</c:v>
-                </c:pt>
-                <c:pt idx="6">
-                  <c:v>Sprint 3/7</c:v>
-                </c:pt>
-                <c:pt idx="7">
-                  <c:v>Sprint 3/8</c:v>
-                </c:pt>
               </c:strCache>
             </c:strRef>
           </c:cat>
           <c:val>
             <c:numRef>
-              <c:f>Sheet1!$C$2:$C$10</c:f>
+              <c:f>Sheet1!$C$2:$C$4</c:f>
               <c:numCache>
                 <c:formatCode>General</c:formatCode>
-                <c:ptCount val="9"/>
+                <c:ptCount val="3"/>
                 <c:pt idx="0">
-                  <c:v>129</c:v>
+                  <c:v>0</c:v>
                 </c:pt>
                 <c:pt idx="1">
-                  <c:v>120</c:v>
+                  <c:v>0</c:v>
                 </c:pt>
                 <c:pt idx="2">
-                  <c:v>105</c:v>
-                </c:pt>
-                <c:pt idx="3">
-                  <c:v>104</c:v>
-                </c:pt>
-                <c:pt idx="4">
-                  <c:v>39</c:v>
-                </c:pt>
-                <c:pt idx="5">
-                  <c:v>70</c:v>
-                </c:pt>
-                <c:pt idx="6">
-                  <c:v>72</c:v>
-                </c:pt>
-                <c:pt idx="7">
-                  <c:v>72</c:v>
+                  <c:v>63</c:v>
                 </c:pt>
               </c:numCache>
             </c:numRef>
@@ -3189,7 +2808,7 @@
           <a:p>
             <a:fld id="{12C3E8BB-F70B-41C7-A2C4-69BE80B44BDC}" type="datetimeFigureOut">
               <a:rPr lang="th-TH" smtClean="0"/>
-              <a:t>29/01/65</a:t>
+              <a:t>19/02/65</a:t>
             </a:fld>
             <a:endParaRPr lang="th-TH"/>
           </a:p>
@@ -3387,7 +3006,7 @@
           <a:p>
             <a:fld id="{12C3E8BB-F70B-41C7-A2C4-69BE80B44BDC}" type="datetimeFigureOut">
               <a:rPr lang="th-TH" smtClean="0"/>
-              <a:t>29/01/65</a:t>
+              <a:t>19/02/65</a:t>
             </a:fld>
             <a:endParaRPr lang="th-TH"/>
           </a:p>
@@ -3595,7 +3214,7 @@
           <a:p>
             <a:fld id="{12C3E8BB-F70B-41C7-A2C4-69BE80B44BDC}" type="datetimeFigureOut">
               <a:rPr lang="th-TH" smtClean="0"/>
-              <a:t>29/01/65</a:t>
+              <a:t>19/02/65</a:t>
             </a:fld>
             <a:endParaRPr lang="th-TH"/>
           </a:p>
@@ -3793,7 +3412,7 @@
           <a:p>
             <a:fld id="{12C3E8BB-F70B-41C7-A2C4-69BE80B44BDC}" type="datetimeFigureOut">
               <a:rPr lang="th-TH" smtClean="0"/>
-              <a:t>29/01/65</a:t>
+              <a:t>19/02/65</a:t>
             </a:fld>
             <a:endParaRPr lang="th-TH"/>
           </a:p>
@@ -4068,7 +3687,7 @@
           <a:p>
             <a:fld id="{12C3E8BB-F70B-41C7-A2C4-69BE80B44BDC}" type="datetimeFigureOut">
               <a:rPr lang="th-TH" smtClean="0"/>
-              <a:t>29/01/65</a:t>
+              <a:t>19/02/65</a:t>
             </a:fld>
             <a:endParaRPr lang="th-TH"/>
           </a:p>
@@ -4333,7 +3952,7 @@
           <a:p>
             <a:fld id="{12C3E8BB-F70B-41C7-A2C4-69BE80B44BDC}" type="datetimeFigureOut">
               <a:rPr lang="th-TH" smtClean="0"/>
-              <a:t>29/01/65</a:t>
+              <a:t>19/02/65</a:t>
             </a:fld>
             <a:endParaRPr lang="th-TH"/>
           </a:p>
@@ -4745,7 +4364,7 @@
           <a:p>
             <a:fld id="{12C3E8BB-F70B-41C7-A2C4-69BE80B44BDC}" type="datetimeFigureOut">
               <a:rPr lang="th-TH" smtClean="0"/>
-              <a:t>29/01/65</a:t>
+              <a:t>19/02/65</a:t>
             </a:fld>
             <a:endParaRPr lang="th-TH"/>
           </a:p>
@@ -4886,7 +4505,7 @@
           <a:p>
             <a:fld id="{12C3E8BB-F70B-41C7-A2C4-69BE80B44BDC}" type="datetimeFigureOut">
               <a:rPr lang="th-TH" smtClean="0"/>
-              <a:t>29/01/65</a:t>
+              <a:t>19/02/65</a:t>
             </a:fld>
             <a:endParaRPr lang="th-TH"/>
           </a:p>
@@ -4999,7 +4618,7 @@
           <a:p>
             <a:fld id="{12C3E8BB-F70B-41C7-A2C4-69BE80B44BDC}" type="datetimeFigureOut">
               <a:rPr lang="th-TH" smtClean="0"/>
-              <a:t>29/01/65</a:t>
+              <a:t>19/02/65</a:t>
             </a:fld>
             <a:endParaRPr lang="th-TH"/>
           </a:p>
@@ -5310,7 +4929,7 @@
           <a:p>
             <a:fld id="{12C3E8BB-F70B-41C7-A2C4-69BE80B44BDC}" type="datetimeFigureOut">
               <a:rPr lang="th-TH" smtClean="0"/>
-              <a:t>29/01/65</a:t>
+              <a:t>19/02/65</a:t>
             </a:fld>
             <a:endParaRPr lang="th-TH"/>
           </a:p>
@@ -5598,7 +5217,7 @@
           <a:p>
             <a:fld id="{12C3E8BB-F70B-41C7-A2C4-69BE80B44BDC}" type="datetimeFigureOut">
               <a:rPr lang="th-TH" smtClean="0"/>
-              <a:t>29/01/65</a:t>
+              <a:t>19/02/65</a:t>
             </a:fld>
             <a:endParaRPr lang="th-TH"/>
           </a:p>
@@ -5839,7 +5458,7 @@
           <a:p>
             <a:fld id="{12C3E8BB-F70B-41C7-A2C4-69BE80B44BDC}" type="datetimeFigureOut">
               <a:rPr lang="th-TH" smtClean="0"/>
-              <a:t>29/01/65</a:t>
+              <a:t>19/02/65</a:t>
             </a:fld>
             <a:endParaRPr lang="th-TH"/>
           </a:p>
@@ -6269,7 +5888,7 @@
           <p:nvPr>
             <p:extLst>
               <p:ext uri="{D42A27DB-BD31-4B8C-83A1-F6EECF244321}">
-                <p14:modId xmlns:p14="http://schemas.microsoft.com/office/powerpoint/2010/main" val="4229229343"/>
+                <p14:modId xmlns:p14="http://schemas.microsoft.com/office/powerpoint/2010/main" val="633931505"/>
               </p:ext>
             </p:extLst>
           </p:nvPr>
@@ -6327,7 +5946,7 @@
           <p:nvPr>
             <p:extLst>
               <p:ext uri="{D42A27DB-BD31-4B8C-83A1-F6EECF244321}">
-                <p14:modId xmlns:p14="http://schemas.microsoft.com/office/powerpoint/2010/main" val="96207064"/>
+                <p14:modId xmlns:p14="http://schemas.microsoft.com/office/powerpoint/2010/main" val="888737116"/>
               </p:ext>
             </p:extLst>
           </p:nvPr>

--- a/Burndown & Velocity/Cycle 4/V4.3.1 [2022-02-19] Burndown Velocity Sprint 4-3.pptx
+++ b/Burndown & Velocity/Cycle 4/V4.3.1 [2022-02-19] Burndown Velocity Sprint 4-3.pptx
@@ -358,6 +358,28 @@
                 </c:ext>
               </c:extLst>
             </c:dLbl>
+            <c:dLbl>
+              <c:idx val="4"/>
+              <c:layout>
+                <c:manualLayout>
+                  <c:x val="-4.0105561023622165E-2"/>
+                  <c:y val="-1.1642531271989956E-2"/>
+                </c:manualLayout>
+              </c:layout>
+              <c:dLblPos val="r"/>
+              <c:showLegendKey val="0"/>
+              <c:showVal val="1"/>
+              <c:showCatName val="0"/>
+              <c:showSerName val="0"/>
+              <c:showPercent val="0"/>
+              <c:showBubbleSize val="0"/>
+              <c:extLst>
+                <c:ext xmlns:c15="http://schemas.microsoft.com/office/drawing/2012/chart" uri="{CE6537A1-D6FC-4f65-9D91-7224C49458BB}"/>
+                <c:ext xmlns:c16="http://schemas.microsoft.com/office/drawing/2014/chart" uri="{C3380CC4-5D6E-409C-BE32-E72D297353CC}">
+                  <c16:uniqueId val="{00000001-995D-40DF-B19D-914B58E98F07}"/>
+                </c:ext>
+              </c:extLst>
+            </c:dLbl>
             <c:spPr>
               <a:noFill/>
               <a:ln>
@@ -421,13 +443,13 @@
                   <c:v>Start</c:v>
                 </c:pt>
                 <c:pt idx="1">
-                  <c:v>Sprint 3/1</c:v>
+                  <c:v>Sprint 4/1</c:v>
                 </c:pt>
                 <c:pt idx="2">
-                  <c:v>Sprint 3/2</c:v>
+                  <c:v>Sprint 4/2</c:v>
                 </c:pt>
                 <c:pt idx="3">
-                  <c:v>Sprint 3/3</c:v>
+                  <c:v>Sprint 4/3</c:v>
                 </c:pt>
                 <c:pt idx="4">
                   <c:v>Finish</c:v>
@@ -597,8 +619,8 @@
               <c:idx val="4"/>
               <c:layout>
                 <c:manualLayout>
-                  <c:x val="-4.0628937007874073E-2"/>
-                  <c:y val="1.8826216853702213E-2"/>
+                  <c:x val="4.6835629921259843E-3"/>
+                  <c:y val="-2.8048780262747278E-2"/>
                 </c:manualLayout>
               </c:layout>
               <c:dLblPos val="r"/>
@@ -681,13 +703,13 @@
                   <c:v>Start</c:v>
                 </c:pt>
                 <c:pt idx="1">
-                  <c:v>Sprint 3/1</c:v>
+                  <c:v>Sprint 4/1</c:v>
                 </c:pt>
                 <c:pt idx="2">
-                  <c:v>Sprint 3/2</c:v>
+                  <c:v>Sprint 4/2</c:v>
                 </c:pt>
                 <c:pt idx="3">
-                  <c:v>Sprint 3/3</c:v>
+                  <c:v>Sprint 4/3</c:v>
                 </c:pt>
                 <c:pt idx="4">
                   <c:v>Finish</c:v>
@@ -714,7 +736,7 @@
                   <c:v>63</c:v>
                 </c:pt>
                 <c:pt idx="4">
-                  <c:v>0</c:v>
+                  <c:v>2</c:v>
                 </c:pt>
               </c:numCache>
             </c:numRef>
@@ -1184,13 +1206,13 @@
               <c:strCache>
                 <c:ptCount val="3"/>
                 <c:pt idx="0">
-                  <c:v>Sprint 3/1</c:v>
+                  <c:v>Sprint 4/1</c:v>
                 </c:pt>
                 <c:pt idx="1">
-                  <c:v>Sprint 3/2</c:v>
+                  <c:v>Sprint 4/2</c:v>
                 </c:pt>
                 <c:pt idx="2">
-                  <c:v>Sprint 3/3</c:v>
+                  <c:v>Sprint 4/3</c:v>
                 </c:pt>
               </c:strCache>
             </c:strRef>
@@ -1343,13 +1365,13 @@
               <c:strCache>
                 <c:ptCount val="3"/>
                 <c:pt idx="0">
-                  <c:v>Sprint 3/1</c:v>
+                  <c:v>Sprint 4/1</c:v>
                 </c:pt>
                 <c:pt idx="1">
-                  <c:v>Sprint 3/2</c:v>
+                  <c:v>Sprint 4/2</c:v>
                 </c:pt>
                 <c:pt idx="2">
-                  <c:v>Sprint 3/3</c:v>
+                  <c:v>Sprint 4/3</c:v>
                 </c:pt>
               </c:strCache>
             </c:strRef>
@@ -2808,7 +2830,7 @@
           <a:p>
             <a:fld id="{12C3E8BB-F70B-41C7-A2C4-69BE80B44BDC}" type="datetimeFigureOut">
               <a:rPr lang="th-TH" smtClean="0"/>
-              <a:t>19/02/65</a:t>
+              <a:t>05/03/65</a:t>
             </a:fld>
             <a:endParaRPr lang="th-TH"/>
           </a:p>
@@ -3006,7 +3028,7 @@
           <a:p>
             <a:fld id="{12C3E8BB-F70B-41C7-A2C4-69BE80B44BDC}" type="datetimeFigureOut">
               <a:rPr lang="th-TH" smtClean="0"/>
-              <a:t>19/02/65</a:t>
+              <a:t>05/03/65</a:t>
             </a:fld>
             <a:endParaRPr lang="th-TH"/>
           </a:p>
@@ -3214,7 +3236,7 @@
           <a:p>
             <a:fld id="{12C3E8BB-F70B-41C7-A2C4-69BE80B44BDC}" type="datetimeFigureOut">
               <a:rPr lang="th-TH" smtClean="0"/>
-              <a:t>19/02/65</a:t>
+              <a:t>05/03/65</a:t>
             </a:fld>
             <a:endParaRPr lang="th-TH"/>
           </a:p>
@@ -3412,7 +3434,7 @@
           <a:p>
             <a:fld id="{12C3E8BB-F70B-41C7-A2C4-69BE80B44BDC}" type="datetimeFigureOut">
               <a:rPr lang="th-TH" smtClean="0"/>
-              <a:t>19/02/65</a:t>
+              <a:t>05/03/65</a:t>
             </a:fld>
             <a:endParaRPr lang="th-TH"/>
           </a:p>
@@ -3687,7 +3709,7 @@
           <a:p>
             <a:fld id="{12C3E8BB-F70B-41C7-A2C4-69BE80B44BDC}" type="datetimeFigureOut">
               <a:rPr lang="th-TH" smtClean="0"/>
-              <a:t>19/02/65</a:t>
+              <a:t>05/03/65</a:t>
             </a:fld>
             <a:endParaRPr lang="th-TH"/>
           </a:p>
@@ -3952,7 +3974,7 @@
           <a:p>
             <a:fld id="{12C3E8BB-F70B-41C7-A2C4-69BE80B44BDC}" type="datetimeFigureOut">
               <a:rPr lang="th-TH" smtClean="0"/>
-              <a:t>19/02/65</a:t>
+              <a:t>05/03/65</a:t>
             </a:fld>
             <a:endParaRPr lang="th-TH"/>
           </a:p>
@@ -4364,7 +4386,7 @@
           <a:p>
             <a:fld id="{12C3E8BB-F70B-41C7-A2C4-69BE80B44BDC}" type="datetimeFigureOut">
               <a:rPr lang="th-TH" smtClean="0"/>
-              <a:t>19/02/65</a:t>
+              <a:t>05/03/65</a:t>
             </a:fld>
             <a:endParaRPr lang="th-TH"/>
           </a:p>
@@ -4505,7 +4527,7 @@
           <a:p>
             <a:fld id="{12C3E8BB-F70B-41C7-A2C4-69BE80B44BDC}" type="datetimeFigureOut">
               <a:rPr lang="th-TH" smtClean="0"/>
-              <a:t>19/02/65</a:t>
+              <a:t>05/03/65</a:t>
             </a:fld>
             <a:endParaRPr lang="th-TH"/>
           </a:p>
@@ -4618,7 +4640,7 @@
           <a:p>
             <a:fld id="{12C3E8BB-F70B-41C7-A2C4-69BE80B44BDC}" type="datetimeFigureOut">
               <a:rPr lang="th-TH" smtClean="0"/>
-              <a:t>19/02/65</a:t>
+              <a:t>05/03/65</a:t>
             </a:fld>
             <a:endParaRPr lang="th-TH"/>
           </a:p>
@@ -4929,7 +4951,7 @@
           <a:p>
             <a:fld id="{12C3E8BB-F70B-41C7-A2C4-69BE80B44BDC}" type="datetimeFigureOut">
               <a:rPr lang="th-TH" smtClean="0"/>
-              <a:t>19/02/65</a:t>
+              <a:t>05/03/65</a:t>
             </a:fld>
             <a:endParaRPr lang="th-TH"/>
           </a:p>
@@ -5217,7 +5239,7 @@
           <a:p>
             <a:fld id="{12C3E8BB-F70B-41C7-A2C4-69BE80B44BDC}" type="datetimeFigureOut">
               <a:rPr lang="th-TH" smtClean="0"/>
-              <a:t>19/02/65</a:t>
+              <a:t>05/03/65</a:t>
             </a:fld>
             <a:endParaRPr lang="th-TH"/>
           </a:p>
@@ -5458,7 +5480,7 @@
           <a:p>
             <a:fld id="{12C3E8BB-F70B-41C7-A2C4-69BE80B44BDC}" type="datetimeFigureOut">
               <a:rPr lang="th-TH" smtClean="0"/>
-              <a:t>19/02/65</a:t>
+              <a:t>05/03/65</a:t>
             </a:fld>
             <a:endParaRPr lang="th-TH"/>
           </a:p>
@@ -5888,7 +5910,7 @@
           <p:nvPr>
             <p:extLst>
               <p:ext uri="{D42A27DB-BD31-4B8C-83A1-F6EECF244321}">
-                <p14:modId xmlns:p14="http://schemas.microsoft.com/office/powerpoint/2010/main" val="633931505"/>
+                <p14:modId xmlns:p14="http://schemas.microsoft.com/office/powerpoint/2010/main" val="2589120253"/>
               </p:ext>
             </p:extLst>
           </p:nvPr>
@@ -5946,7 +5968,7 @@
           <p:nvPr>
             <p:extLst>
               <p:ext uri="{D42A27DB-BD31-4B8C-83A1-F6EECF244321}">
-                <p14:modId xmlns:p14="http://schemas.microsoft.com/office/powerpoint/2010/main" val="888737116"/>
+                <p14:modId xmlns:p14="http://schemas.microsoft.com/office/powerpoint/2010/main" val="374238826"/>
               </p:ext>
             </p:extLst>
           </p:nvPr>

--- a/Burndown & Velocity/Cycle 4/V4.3.1 [2022-02-19] Burndown Velocity Sprint 4-3.pptx
+++ b/Burndown & Velocity/Cycle 4/V4.3.1 [2022-02-19] Burndown Velocity Sprint 4-3.pptx
@@ -359,11 +359,11 @@
               </c:extLst>
             </c:dLbl>
             <c:dLbl>
-              <c:idx val="4"/>
+              <c:idx val="3"/>
               <c:layout>
                 <c:manualLayout>
-                  <c:x val="-4.0105561023622165E-2"/>
-                  <c:y val="-1.1642531271989956E-2"/>
+                  <c:x val="-2.9168061023622162E-2"/>
+                  <c:y val="1.1794967286234788E-2"/>
                 </c:manualLayout>
               </c:layout>
               <c:dLblPos val="r"/>
@@ -376,7 +376,7 @@
               <c:extLst>
                 <c:ext xmlns:c15="http://schemas.microsoft.com/office/drawing/2012/chart" uri="{CE6537A1-D6FC-4f65-9D91-7224C49458BB}"/>
                 <c:ext xmlns:c16="http://schemas.microsoft.com/office/drawing/2014/chart" uri="{C3380CC4-5D6E-409C-BE32-E72D297353CC}">
-                  <c16:uniqueId val="{00000001-995D-40DF-B19D-914B58E98F07}"/>
+                  <c16:uniqueId val="{00000001-446D-43F6-9119-D1A04A70DC55}"/>
                 </c:ext>
               </c:extLst>
             </c:dLbl>
@@ -436,9 +436,9 @@
           </c:dLbls>
           <c:cat>
             <c:strRef>
-              <c:f>Sheet1!$A$2:$A$6</c:f>
+              <c:f>Sheet1!$A$2:$A$5</c:f>
               <c:strCache>
-                <c:ptCount val="5"/>
+                <c:ptCount val="4"/>
                 <c:pt idx="0">
                   <c:v>Start</c:v>
                 </c:pt>
@@ -451,18 +451,15 @@
                 <c:pt idx="3">
                   <c:v>Sprint 4/3</c:v>
                 </c:pt>
-                <c:pt idx="4">
-                  <c:v>Finish</c:v>
-                </c:pt>
               </c:strCache>
             </c:strRef>
           </c:cat>
           <c:val>
             <c:numRef>
-              <c:f>Sheet1!$B$2:$B$6</c:f>
+              <c:f>Sheet1!$B$2:$B$5</c:f>
               <c:numCache>
                 <c:formatCode>General</c:formatCode>
-                <c:ptCount val="5"/>
+                <c:ptCount val="4"/>
                 <c:pt idx="0">
                   <c:v>65</c:v>
                 </c:pt>
@@ -473,9 +470,6 @@
                   <c:v>65</c:v>
                 </c:pt>
                 <c:pt idx="3">
-                  <c:v>65</c:v>
-                </c:pt>
-                <c:pt idx="4">
                   <c:v>0</c:v>
                 </c:pt>
               </c:numCache>
@@ -597,8 +591,8 @@
               <c:idx val="3"/>
               <c:layout>
                 <c:manualLayout>
-                  <c:x val="-4.5316437007874071E-2"/>
-                  <c:y val="3.0544966132814582E-2"/>
+                  <c:x val="-1.5664370078741303E-3"/>
+                  <c:y val="-2.2675318487000587E-3"/>
                 </c:manualLayout>
               </c:layout>
               <c:dLblPos val="r"/>
@@ -612,28 +606,6 @@
                 <c:ext xmlns:c15="http://schemas.microsoft.com/office/drawing/2012/chart" uri="{CE6537A1-D6FC-4f65-9D91-7224C49458BB}"/>
                 <c:ext xmlns:c16="http://schemas.microsoft.com/office/drawing/2014/chart" uri="{C3380CC4-5D6E-409C-BE32-E72D297353CC}">
                   <c16:uniqueId val="{00000001-D0A9-4FF7-8D70-7D0FAD8496CE}"/>
-                </c:ext>
-              </c:extLst>
-            </c:dLbl>
-            <c:dLbl>
-              <c:idx val="4"/>
-              <c:layout>
-                <c:manualLayout>
-                  <c:x val="4.6835629921259843E-3"/>
-                  <c:y val="-2.8048780262747278E-2"/>
-                </c:manualLayout>
-              </c:layout>
-              <c:dLblPos val="r"/>
-              <c:showLegendKey val="0"/>
-              <c:showVal val="1"/>
-              <c:showCatName val="0"/>
-              <c:showSerName val="0"/>
-              <c:showPercent val="0"/>
-              <c:showBubbleSize val="0"/>
-              <c:extLst>
-                <c:ext xmlns:c15="http://schemas.microsoft.com/office/drawing/2012/chart" uri="{CE6537A1-D6FC-4f65-9D91-7224C49458BB}"/>
-                <c:ext xmlns:c16="http://schemas.microsoft.com/office/drawing/2014/chart" uri="{C3380CC4-5D6E-409C-BE32-E72D297353CC}">
-                  <c16:uniqueId val="{00000001-EEB3-4D9F-83E0-54EA909DC03D}"/>
                 </c:ext>
               </c:extLst>
             </c:dLbl>
@@ -696,9 +668,9 @@
           </c:dLbls>
           <c:cat>
             <c:strRef>
-              <c:f>Sheet1!$A$2:$A$6</c:f>
+              <c:f>Sheet1!$A$2:$A$5</c:f>
               <c:strCache>
-                <c:ptCount val="5"/>
+                <c:ptCount val="4"/>
                 <c:pt idx="0">
                   <c:v>Start</c:v>
                 </c:pt>
@@ -711,18 +683,15 @@
                 <c:pt idx="3">
                   <c:v>Sprint 4/3</c:v>
                 </c:pt>
-                <c:pt idx="4">
-                  <c:v>Finish</c:v>
-                </c:pt>
               </c:strCache>
             </c:strRef>
           </c:cat>
           <c:val>
             <c:numRef>
-              <c:f>Sheet1!$C$2:$C$6</c:f>
+              <c:f>Sheet1!$C$2:$C$5</c:f>
               <c:numCache>
                 <c:formatCode>General</c:formatCode>
-                <c:ptCount val="5"/>
+                <c:ptCount val="4"/>
                 <c:pt idx="0">
                   <c:v>65</c:v>
                 </c:pt>
@@ -733,9 +702,6 @@
                   <c:v>65</c:v>
                 </c:pt>
                 <c:pt idx="3">
-                  <c:v>63</c:v>
-                </c:pt>
-                <c:pt idx="4">
                   <c:v>2</c:v>
                 </c:pt>
               </c:numCache>
@@ -2830,7 +2796,7 @@
           <a:p>
             <a:fld id="{12C3E8BB-F70B-41C7-A2C4-69BE80B44BDC}" type="datetimeFigureOut">
               <a:rPr lang="th-TH" smtClean="0"/>
-              <a:t>05/03/65</a:t>
+              <a:t>19/03/65</a:t>
             </a:fld>
             <a:endParaRPr lang="th-TH"/>
           </a:p>
@@ -3028,7 +2994,7 @@
           <a:p>
             <a:fld id="{12C3E8BB-F70B-41C7-A2C4-69BE80B44BDC}" type="datetimeFigureOut">
               <a:rPr lang="th-TH" smtClean="0"/>
-              <a:t>05/03/65</a:t>
+              <a:t>19/03/65</a:t>
             </a:fld>
             <a:endParaRPr lang="th-TH"/>
           </a:p>
@@ -3236,7 +3202,7 @@
           <a:p>
             <a:fld id="{12C3E8BB-F70B-41C7-A2C4-69BE80B44BDC}" type="datetimeFigureOut">
               <a:rPr lang="th-TH" smtClean="0"/>
-              <a:t>05/03/65</a:t>
+              <a:t>19/03/65</a:t>
             </a:fld>
             <a:endParaRPr lang="th-TH"/>
           </a:p>
@@ -3434,7 +3400,7 @@
           <a:p>
             <a:fld id="{12C3E8BB-F70B-41C7-A2C4-69BE80B44BDC}" type="datetimeFigureOut">
               <a:rPr lang="th-TH" smtClean="0"/>
-              <a:t>05/03/65</a:t>
+              <a:t>19/03/65</a:t>
             </a:fld>
             <a:endParaRPr lang="th-TH"/>
           </a:p>
@@ -3709,7 +3675,7 @@
           <a:p>
             <a:fld id="{12C3E8BB-F70B-41C7-A2C4-69BE80B44BDC}" type="datetimeFigureOut">
               <a:rPr lang="th-TH" smtClean="0"/>
-              <a:t>05/03/65</a:t>
+              <a:t>19/03/65</a:t>
             </a:fld>
             <a:endParaRPr lang="th-TH"/>
           </a:p>
@@ -3974,7 +3940,7 @@
           <a:p>
             <a:fld id="{12C3E8BB-F70B-41C7-A2C4-69BE80B44BDC}" type="datetimeFigureOut">
               <a:rPr lang="th-TH" smtClean="0"/>
-              <a:t>05/03/65</a:t>
+              <a:t>19/03/65</a:t>
             </a:fld>
             <a:endParaRPr lang="th-TH"/>
           </a:p>
@@ -4386,7 +4352,7 @@
           <a:p>
             <a:fld id="{12C3E8BB-F70B-41C7-A2C4-69BE80B44BDC}" type="datetimeFigureOut">
               <a:rPr lang="th-TH" smtClean="0"/>
-              <a:t>05/03/65</a:t>
+              <a:t>19/03/65</a:t>
             </a:fld>
             <a:endParaRPr lang="th-TH"/>
           </a:p>
@@ -4527,7 +4493,7 @@
           <a:p>
             <a:fld id="{12C3E8BB-F70B-41C7-A2C4-69BE80B44BDC}" type="datetimeFigureOut">
               <a:rPr lang="th-TH" smtClean="0"/>
-              <a:t>05/03/65</a:t>
+              <a:t>19/03/65</a:t>
             </a:fld>
             <a:endParaRPr lang="th-TH"/>
           </a:p>
@@ -4640,7 +4606,7 @@
           <a:p>
             <a:fld id="{12C3E8BB-F70B-41C7-A2C4-69BE80B44BDC}" type="datetimeFigureOut">
               <a:rPr lang="th-TH" smtClean="0"/>
-              <a:t>05/03/65</a:t>
+              <a:t>19/03/65</a:t>
             </a:fld>
             <a:endParaRPr lang="th-TH"/>
           </a:p>
@@ -4951,7 +4917,7 @@
           <a:p>
             <a:fld id="{12C3E8BB-F70B-41C7-A2C4-69BE80B44BDC}" type="datetimeFigureOut">
               <a:rPr lang="th-TH" smtClean="0"/>
-              <a:t>05/03/65</a:t>
+              <a:t>19/03/65</a:t>
             </a:fld>
             <a:endParaRPr lang="th-TH"/>
           </a:p>
@@ -5239,7 +5205,7 @@
           <a:p>
             <a:fld id="{12C3E8BB-F70B-41C7-A2C4-69BE80B44BDC}" type="datetimeFigureOut">
               <a:rPr lang="th-TH" smtClean="0"/>
-              <a:t>05/03/65</a:t>
+              <a:t>19/03/65</a:t>
             </a:fld>
             <a:endParaRPr lang="th-TH"/>
           </a:p>
@@ -5480,7 +5446,7 @@
           <a:p>
             <a:fld id="{12C3E8BB-F70B-41C7-A2C4-69BE80B44BDC}" type="datetimeFigureOut">
               <a:rPr lang="th-TH" smtClean="0"/>
-              <a:t>05/03/65</a:t>
+              <a:t>19/03/65</a:t>
             </a:fld>
             <a:endParaRPr lang="th-TH"/>
           </a:p>
@@ -5910,7 +5876,7 @@
           <p:nvPr>
             <p:extLst>
               <p:ext uri="{D42A27DB-BD31-4B8C-83A1-F6EECF244321}">
-                <p14:modId xmlns:p14="http://schemas.microsoft.com/office/powerpoint/2010/main" val="2589120253"/>
+                <p14:modId xmlns:p14="http://schemas.microsoft.com/office/powerpoint/2010/main" val="1951507784"/>
               </p:ext>
             </p:extLst>
           </p:nvPr>
